--- a/Gramenar-case-study/FayizMayamVeettil_DDA1730041_main.pptx
+++ b/Gramenar-case-study/FayizMayamVeettil_DDA1730041_main.pptx
@@ -131,6 +131,10 @@
     </p:ext>
   </p:extLst>
 </p:presentation>
+</file>
+
+<file path=ppt/revisionInfo.xml><?xml version="1.0" encoding="utf-8"?>
+<p1510:revInfo xmlns:a="http://schemas.openxmlformats.org/drawingml/2006/main" xmlns:r="http://schemas.openxmlformats.org/officeDocument/2006/relationships" xmlns:p1510="http://schemas.microsoft.com/office/powerpoint/2015/10/main"/>
 </file>
 
 <file path=ppt/notesMasters/notesMaster1.xml><?xml version="1.0" encoding="utf-8"?>
@@ -4617,7 +4621,7 @@
             <a:pPr algn="ctr"/>
             <a:r>
               <a:rPr lang="en-US" dirty="0"/>
-              <a:t>It looks like people opting for longer loan terms have higher chances of defaulting</a:t>
+              <a:t>It looks like people opting for longer loan amount have higher chances of defaulting</a:t>
             </a:r>
           </a:p>
         </p:txBody>
@@ -5331,7 +5335,7 @@
               <a:rPr lang="en-IN" sz="2000" dirty="0">
                 <a:latin typeface="Lato"/>
               </a:rPr>
-              <a:t>Grade of the applicants</a:t>
+              <a:t>Grade &amp; Sub-Grade of the applicants</a:t>
             </a:r>
           </a:p>
           <a:p>
@@ -5361,7 +5365,7 @@
               <a:rPr lang="en-IN" sz="2000" dirty="0">
                 <a:latin typeface="Lato"/>
               </a:rPr>
-              <a:t>Applicants home ownership type</a:t>
+              <a:t>Applicants Home Ownership type</a:t>
             </a:r>
           </a:p>
           <a:p>
@@ -5376,7 +5380,7 @@
               <a:rPr lang="en-IN" sz="2000" dirty="0">
                 <a:latin typeface="Lato"/>
               </a:rPr>
-              <a:t>Loan terms, amount, interest rates and the purpose</a:t>
+              <a:t>Loan terms, Amount, Interest Rates and Purpose</a:t>
             </a:r>
           </a:p>
           <a:p>
@@ -5391,7 +5395,7 @@
               <a:rPr lang="en-IN" sz="2000" dirty="0">
                 <a:latin typeface="Lato"/>
               </a:rPr>
-              <a:t>Applicants demographics and</a:t>
+              <a:t>Applicants demographics</a:t>
             </a:r>
           </a:p>
           <a:p>
@@ -5601,7 +5605,7 @@
               <a:rPr lang="en-US" sz="1600" dirty="0">
                 <a:latin typeface="Lato"/>
               </a:rPr>
-              <a:t>the company has to make a decision for loan approval based on the applicant’s profile</a:t>
+              <a:t>The company has to make a decision for loan approval based on the applicant’s profile</a:t>
             </a:r>
             <a:r>
               <a:rPr lang="en-IN" sz="1600" dirty="0">
